--- a/2021-6-4 [파이썬 개발환경과 가상환경 0611금] (6~6시간) 에디터의 최신 강자 아톰.pptx
+++ b/2021-6-4 [파이썬 개발환경과 가상환경 0611금] (6~6시간) 에디터의 최신 강자 아톰.pptx
@@ -274,7 +274,7 @@
             <a:fld id="{3C8F8230-0520-4083-807F-7B220B43BFBD}" type="datetimeFigureOut">
               <a:rPr lang="ko-KR" altLang="en-US" smtClean="0"/>
               <a:pPr/>
-              <a:t>2020-06-08</a:t>
+              <a:t>2021-06-10</a:t>
             </a:fld>
             <a:endParaRPr lang="ko-KR" altLang="en-US"/>
           </a:p>
@@ -833,7 +833,7 @@
           <a:p>
             <a:fld id="{EE574790-609E-4709-843C-74DE14E574F0}" type="datetimeFigureOut">
               <a:rPr lang="ko-KR" altLang="en-US" smtClean="0"/>
-              <a:t>2020-06-08</a:t>
+              <a:t>2021-06-10</a:t>
             </a:fld>
             <a:endParaRPr lang="ko-KR" altLang="en-US"/>
           </a:p>
@@ -1003,7 +1003,7 @@
           <a:p>
             <a:fld id="{EE574790-609E-4709-843C-74DE14E574F0}" type="datetimeFigureOut">
               <a:rPr lang="ko-KR" altLang="en-US" smtClean="0"/>
-              <a:t>2020-06-08</a:t>
+              <a:t>2021-06-10</a:t>
             </a:fld>
             <a:endParaRPr lang="ko-KR" altLang="en-US"/>
           </a:p>
@@ -1249,7 +1249,7 @@
           <a:p>
             <a:fld id="{EE574790-609E-4709-843C-74DE14E574F0}" type="datetimeFigureOut">
               <a:rPr lang="ko-KR" altLang="en-US" smtClean="0"/>
-              <a:t>2020-06-08</a:t>
+              <a:t>2021-06-10</a:t>
             </a:fld>
             <a:endParaRPr lang="ko-KR" altLang="en-US"/>
           </a:p>
@@ -1537,7 +1537,7 @@
           <a:p>
             <a:fld id="{EE574790-609E-4709-843C-74DE14E574F0}" type="datetimeFigureOut">
               <a:rPr lang="ko-KR" altLang="en-US" smtClean="0"/>
-              <a:t>2020-06-08</a:t>
+              <a:t>2021-06-10</a:t>
             </a:fld>
             <a:endParaRPr lang="ko-KR" altLang="en-US"/>
           </a:p>
@@ -1959,7 +1959,7 @@
           <a:p>
             <a:fld id="{EE574790-609E-4709-843C-74DE14E574F0}" type="datetimeFigureOut">
               <a:rPr lang="ko-KR" altLang="en-US" smtClean="0"/>
-              <a:t>2020-06-08</a:t>
+              <a:t>2021-06-10</a:t>
             </a:fld>
             <a:endParaRPr lang="ko-KR" altLang="en-US"/>
           </a:p>
@@ -2077,7 +2077,7 @@
           <a:p>
             <a:fld id="{EE574790-609E-4709-843C-74DE14E574F0}" type="datetimeFigureOut">
               <a:rPr lang="ko-KR" altLang="en-US" smtClean="0"/>
-              <a:t>2020-06-08</a:t>
+              <a:t>2021-06-10</a:t>
             </a:fld>
             <a:endParaRPr lang="ko-KR" altLang="en-US"/>
           </a:p>
@@ -2172,7 +2172,7 @@
           <a:p>
             <a:fld id="{EE574790-609E-4709-843C-74DE14E574F0}" type="datetimeFigureOut">
               <a:rPr lang="ko-KR" altLang="en-US" smtClean="0"/>
-              <a:t>2020-06-08</a:t>
+              <a:t>2021-06-10</a:t>
             </a:fld>
             <a:endParaRPr lang="ko-KR" altLang="en-US"/>
           </a:p>
@@ -2449,7 +2449,7 @@
           <a:p>
             <a:fld id="{EE574790-609E-4709-843C-74DE14E574F0}" type="datetimeFigureOut">
               <a:rPr lang="ko-KR" altLang="en-US" smtClean="0"/>
-              <a:t>2020-06-08</a:t>
+              <a:t>2021-06-10</a:t>
             </a:fld>
             <a:endParaRPr lang="ko-KR" altLang="en-US"/>
           </a:p>
@@ -2702,7 +2702,7 @@
           <a:p>
             <a:fld id="{EE574790-609E-4709-843C-74DE14E574F0}" type="datetimeFigureOut">
               <a:rPr lang="ko-KR" altLang="en-US" smtClean="0"/>
-              <a:t>2020-06-08</a:t>
+              <a:t>2021-06-10</a:t>
             </a:fld>
             <a:endParaRPr lang="ko-KR" altLang="en-US"/>
           </a:p>
@@ -2923,7 +2923,7 @@
           <a:p>
             <a:fld id="{EE574790-609E-4709-843C-74DE14E574F0}" type="datetimeFigureOut">
               <a:rPr lang="ko-KR" altLang="en-US" smtClean="0"/>
-              <a:t>2020-06-08</a:t>
+              <a:t>2021-06-10</a:t>
             </a:fld>
             <a:endParaRPr lang="ko-KR" altLang="en-US"/>
           </a:p>
@@ -3103,7 +3103,7 @@
           <a:p>
             <a:fld id="{EE574790-609E-4709-843C-74DE14E574F0}" type="datetimeFigureOut">
               <a:rPr lang="ko-KR" altLang="en-US" smtClean="0"/>
-              <a:t>2020-06-08</a:t>
+              <a:t>2021-06-10</a:t>
             </a:fld>
             <a:endParaRPr lang="ko-KR" altLang="en-US"/>
           </a:p>
@@ -16667,7 +16667,7 @@
           <a:p>
             <a:fld id="{EE574790-609E-4709-843C-74DE14E574F0}" type="datetimeFigureOut">
               <a:rPr lang="ko-KR" altLang="en-US" smtClean="0"/>
-              <a:t>2020-06-08</a:t>
+              <a:t>2021-06-10</a:t>
             </a:fld>
             <a:endParaRPr lang="ko-KR" altLang="en-US"/>
           </a:p>
@@ -17226,7 +17226,31 @@
           <a:p>
             <a:r>
               <a:rPr lang="ko-KR" altLang="en-US" dirty="0" smtClean="0"/>
-              <a:t>한글 출력 문제 해결</a:t>
+              <a:t>한글 출력 문제 </a:t>
+            </a:r>
+            <a:r>
+              <a:rPr lang="ko-KR" altLang="en-US" dirty="0" smtClean="0"/>
+              <a:t>해결 </a:t>
+            </a:r>
+            <a:r>
+              <a:rPr lang="en-US" altLang="ko-KR" dirty="0" smtClean="0"/>
+              <a:t>(</a:t>
+            </a:r>
+            <a:r>
+              <a:rPr lang="ko-KR" altLang="en-US" dirty="0" smtClean="0"/>
+              <a:t>현재 </a:t>
+            </a:r>
+            <a:r>
+              <a:rPr lang="en-US" altLang="ko-KR" dirty="0" smtClean="0"/>
+              <a:t>2021 6</a:t>
+            </a:r>
+            <a:r>
+              <a:rPr lang="ko-KR" altLang="en-US" dirty="0" smtClean="0"/>
+              <a:t>월 문제 없음</a:t>
+            </a:r>
+            <a:r>
+              <a:rPr lang="en-US" altLang="ko-KR" dirty="0" smtClean="0"/>
+              <a:t>)</a:t>
             </a:r>
             <a:endParaRPr lang="ko-KR" altLang="en-US" dirty="0"/>
           </a:p>
@@ -17660,15 +17684,7 @@
             <a:pPr lvl="1"/>
             <a:r>
               <a:rPr lang="en-US" altLang="ko-KR" dirty="0" smtClean="0"/>
-              <a:t>ctrl </a:t>
-            </a:r>
-            <a:r>
-              <a:rPr lang="en-US" altLang="ko-KR" dirty="0" smtClean="0"/>
-              <a:t>+ shift + </a:t>
-            </a:r>
-            <a:r>
-              <a:rPr lang="en-US" altLang="ko-KR" dirty="0" smtClean="0"/>
-              <a:t>u </a:t>
+              <a:t>ctrl + shift + u </a:t>
             </a:r>
             <a:r>
               <a:rPr lang="ko-KR" altLang="en-US" dirty="0" smtClean="0"/>
@@ -18075,7 +18091,17 @@
             </a:r>
           </a:p>
           <a:p>
-            <a:pPr lvl="1"/>
+            <a:r>
+              <a:rPr lang="ko-KR" altLang="en-US" dirty="0" smtClean="0"/>
+              <a:t>반드시 다음으로</a:t>
+            </a:r>
+            <a:r>
+              <a:rPr lang="en-US" altLang="ko-KR" dirty="0" smtClean="0"/>
+              <a:t/>
+            </a:r>
+            <a:br>
+              <a:rPr lang="en-US" altLang="ko-KR" dirty="0" smtClean="0"/>
+            </a:br>
             <a:r>
               <a:rPr lang="ko-KR" altLang="en-US" dirty="0" smtClean="0"/>
               <a:t>파일</a:t>
@@ -18123,8 +18149,8 @@
         </p:blipFill>
         <p:spPr>
           <a:xfrm>
-            <a:off x="3428999" y="1324562"/>
-            <a:ext cx="5050843" cy="3759501"/>
+            <a:off x="3072243" y="1745980"/>
+            <a:ext cx="5537966" cy="4122082"/>
           </a:xfrm>
           <a:prstGeom prst="rect">
             <a:avLst/>
@@ -18695,6 +18721,13 @@
   <p:clrMapOvr>
     <a:masterClrMapping/>
   </p:clrMapOvr>
+  <p:timing>
+    <p:tnLst>
+      <p:par>
+        <p:cTn id="1" dur="indefinite" restart="never" nodeType="tmRoot"/>
+      </p:par>
+    </p:tnLst>
+  </p:timing>
 </p:sld>
 </file>
 
@@ -18830,6 +18863,13 @@
   <p:clrMapOvr>
     <a:masterClrMapping/>
   </p:clrMapOvr>
+  <p:timing>
+    <p:tnLst>
+      <p:par>
+        <p:cTn id="1" dur="indefinite" restart="never" nodeType="tmRoot"/>
+      </p:par>
+    </p:tnLst>
+  </p:timing>
 </p:sld>
 </file>
 
@@ -18932,11 +18972,7 @@
             </a:r>
             <a:r>
               <a:rPr lang="ko-KR" altLang="en-US" dirty="0" smtClean="0"/>
-              <a:t> </a:t>
-            </a:r>
-            <a:r>
-              <a:rPr lang="ko-KR" altLang="en-US" dirty="0" smtClean="0"/>
-              <a:t>설치</a:t>
+              <a:t> 설치</a:t>
             </a:r>
             <a:r>
               <a:rPr lang="en-US" altLang="ko-KR" dirty="0" smtClean="0"/>
@@ -19106,6 +19142,13 @@
   <p:clrMapOvr>
     <a:masterClrMapping/>
   </p:clrMapOvr>
+  <p:timing>
+    <p:tnLst>
+      <p:par>
+        <p:cTn id="1" dur="indefinite" restart="never" nodeType="tmRoot"/>
+      </p:par>
+    </p:tnLst>
+  </p:timing>
 </p:sld>
 </file>
 
@@ -21588,11 +21631,7 @@
             </a:r>
             <a:r>
               <a:rPr lang="ko-KR" altLang="en-US" dirty="0" smtClean="0"/>
-              <a:t> </a:t>
-            </a:r>
-            <a:r>
-              <a:rPr lang="ko-KR" altLang="en-US" dirty="0" smtClean="0"/>
-              <a:t>검색 후 설치</a:t>
+              <a:t> 검색 후 설치</a:t>
             </a:r>
             <a:endParaRPr lang="en-US" altLang="ko-KR" dirty="0"/>
           </a:p>
@@ -21729,7 +21768,7 @@
         <p:spPr>
           <a:xfrm>
             <a:off x="297076" y="1193960"/>
-            <a:ext cx="2762647" cy="5151503"/>
+            <a:ext cx="3718333" cy="5151503"/>
           </a:xfrm>
         </p:spPr>
         <p:txBody>
@@ -21742,11 +21781,7 @@
             </a:r>
             <a:r>
               <a:rPr lang="ko-KR" altLang="en-US" dirty="0" smtClean="0"/>
-              <a:t> </a:t>
-            </a:r>
-            <a:r>
-              <a:rPr lang="ko-KR" altLang="en-US" dirty="0" smtClean="0"/>
-              <a:t>코딩</a:t>
+              <a:t> 코딩</a:t>
             </a:r>
             <a:endParaRPr lang="en-US" altLang="ko-KR" dirty="0" smtClean="0"/>
           </a:p>
@@ -21805,7 +21840,18 @@
             </a:r>
             <a:r>
               <a:rPr lang="en-US" altLang="ko-KR" dirty="0" smtClean="0"/>
-              <a:t>Packages | script | Run script</a:t>
+              <a:t>Packages</a:t>
+            </a:r>
+          </a:p>
+          <a:p>
+            <a:pPr lvl="3"/>
+            <a:r>
+              <a:rPr lang="en-US" altLang="ko-KR" dirty="0" smtClean="0"/>
+              <a:t>script </a:t>
+            </a:r>
+            <a:r>
+              <a:rPr lang="en-US" altLang="ko-KR" dirty="0" smtClean="0"/>
+              <a:t>| Run script</a:t>
             </a:r>
             <a:endParaRPr lang="ko-KR" altLang="en-US" dirty="0" smtClean="0"/>
           </a:p>
@@ -21827,7 +21873,7 @@
         </p:blipFill>
         <p:spPr>
           <a:xfrm>
-            <a:off x="3248126" y="1088456"/>
+            <a:off x="4154575" y="1032797"/>
             <a:ext cx="4236045" cy="2032815"/>
           </a:xfrm>
           <a:prstGeom prst="rect">
@@ -21851,7 +21897,7 @@
         </p:blipFill>
         <p:spPr>
           <a:xfrm>
-            <a:off x="4612494" y="3182815"/>
+            <a:off x="5518943" y="3127156"/>
             <a:ext cx="2238954" cy="3162648"/>
           </a:xfrm>
           <a:prstGeom prst="rect">
@@ -21961,7 +22007,6 @@
               <a:rPr lang="en-US" altLang="ko-KR" dirty="0" smtClean="0"/>
               <a:t>Ctrl + ,</a:t>
             </a:r>
-            <a:endParaRPr lang="en-US" altLang="ko-KR" dirty="0" smtClean="0"/>
           </a:p>
           <a:p>
             <a:pPr lvl="1"/>
@@ -22227,6 +22272,13 @@
   <p:clrMapOvr>
     <a:masterClrMapping/>
   </p:clrMapOvr>
+  <p:timing>
+    <p:tnLst>
+      <p:par>
+        <p:cTn id="1" dur="indefinite" restart="never" nodeType="tmRoot"/>
+      </p:par>
+    </p:tnLst>
+  </p:timing>
 </p:sld>
 </file>
 
